--- a/Max_Cut_ppt.pptx
+++ b/Max_Cut_ppt.pptx
@@ -18,7 +18,7 @@
     <p:sldId id="268" r:id="rId6"/>
     <p:sldId id="275" r:id="rId7"/>
     <p:sldId id="276" r:id="rId8"/>
-    <p:sldId id="274" r:id="rId9"/>
+    <p:sldId id="277" r:id="rId9"/>
     <p:sldId id="269" r:id="rId10"/>
     <p:sldId id="272" r:id="rId11"/>
     <p:sldId id="271" r:id="rId12"/>
@@ -160,6 +160,11 @@
       </a:defRPr>
     </a:lvl9pPr>
   </p:defaultTextStyle>
+  <p:extLst>
+    <p:ext uri="{EFAFB233-063F-42B5-8137-9DF3F51BA10A}">
+      <p15:sldGuideLst xmlns:p15="http://schemas.microsoft.com/office/powerpoint/2012/main"/>
+    </p:ext>
+  </p:extLst>
 </p:presentation>
 </file>
 
@@ -1867,6 +1872,11 @@
         </p:txBody>
       </p:sp>
     </p:spTree>
+    <p:extLst>
+      <p:ext uri="{BB962C8B-B14F-4D97-AF65-F5344CB8AC3E}">
+        <p14:creationId xmlns:p14="http://schemas.microsoft.com/office/powerpoint/2010/main" val="1560251711"/>
+      </p:ext>
+    </p:extLst>
   </p:cSld>
   <p:clrMapOvr>
     <a:masterClrMapping/>
@@ -12600,7 +12610,7 @@
               <a:buChar char="●"/>
             </a:pPr>
             <a:r>
-              <a:rPr lang="en-US" altLang="en-US" sz="2400">
+              <a:rPr lang="en-US" altLang="en-US" sz="2400" dirty="0">
                 <a:solidFill>
                   <a:srgbClr val="212121"/>
                 </a:solidFill>
@@ -12627,7 +12637,7 @@
               <a:buChar char="●"/>
             </a:pPr>
             <a:r>
-              <a:rPr lang="en-US" altLang="en-US" sz="2400">
+              <a:rPr lang="en-US" altLang="en-US" sz="2400" dirty="0">
                 <a:solidFill>
                   <a:srgbClr val="212121"/>
                 </a:solidFill>
@@ -12654,7 +12664,7 @@
               <a:buChar char="●"/>
             </a:pPr>
             <a:r>
-              <a:rPr lang="en-US" altLang="en-US" sz="2400">
+              <a:rPr lang="en-US" altLang="en-US" sz="2400" dirty="0">
                 <a:solidFill>
                   <a:srgbClr val="212121"/>
                 </a:solidFill>
@@ -12681,7 +12691,7 @@
               <a:buChar char="●"/>
             </a:pPr>
             <a:r>
-              <a:rPr lang="en-US" altLang="en-US" sz="2400">
+              <a:rPr lang="en-US" altLang="en-US" sz="2400" dirty="0">
                 <a:solidFill>
                   <a:srgbClr val="212121"/>
                 </a:solidFill>
@@ -14400,15 +14410,7 @@
                 <a:ea typeface="Gill Sans" charset="0"/>
                 <a:cs typeface="Gill Sans" charset="0"/>
               </a:rPr>
-              <a:t>←</a:t>
-            </a:r>
-            <a:r>
-              <a:rPr lang="en-US" altLang="en-US" dirty="0" smtClean="0">
-                <a:latin typeface="Gill Sans" charset="0"/>
-                <a:ea typeface="Gill Sans" charset="0"/>
-                <a:cs typeface="Gill Sans" charset="0"/>
-              </a:rPr>
-              <a:t> [ ]</a:t>
+              <a:t>← [ ]</a:t>
             </a:r>
             <a:endParaRPr lang="en-US" altLang="en-US" dirty="0">
               <a:latin typeface="Gill Sans" charset="0"/>
@@ -14783,15 +14785,7 @@
                 <a:ea typeface="Gill Sans" charset="0"/>
                 <a:cs typeface="Gill Sans" charset="0"/>
               </a:rPr>
-              <a:t>← </a:t>
-            </a:r>
-            <a:r>
-              <a:rPr lang="en-US" altLang="en-US" dirty="0" smtClean="0">
-                <a:latin typeface="Gill Sans" charset="0"/>
-                <a:ea typeface="Gill Sans" charset="0"/>
-                <a:cs typeface="Gill Sans" charset="0"/>
-              </a:rPr>
-              <a:t>False</a:t>
+              <a:t>← False</a:t>
             </a:r>
             <a:endParaRPr lang="en-US" altLang="en-US" dirty="0">
               <a:latin typeface="Gill Sans" charset="0"/>
@@ -19672,48 +19666,6 @@
           </a:p>
         </p:txBody>
       </p:sp>
-      <p:sp>
-        <p:nvSpPr>
-          <p:cNvPr id="15" name="Shape 74"/>
-          <p:cNvSpPr txBox="1">
-            <a:spLocks noRot="1" noChangeAspect="1" noMove="1" noResize="1" noEditPoints="1" noAdjustHandles="1" noChangeArrowheads="1" noChangeShapeType="1" noTextEdit="1"/>
-          </p:cNvSpPr>
-          <p:nvPr/>
-        </p:nvSpPr>
-        <p:spPr>
-          <a:xfrm>
-            <a:off x="288099" y="853259"/>
-            <a:ext cx="8492646" cy="3892610"/>
-          </a:xfrm>
-          <a:prstGeom prst="rect">
-            <a:avLst/>
-          </a:prstGeom>
-          <a:blipFill rotWithShape="0">
-            <a:blip r:embed="rId3"/>
-            <a:stretch>
-              <a:fillRect r="-503"/>
-            </a:stretch>
-          </a:blipFill>
-          <a:ln>
-            <a:noFill/>
-          </a:ln>
-        </p:spPr>
-        <p:txBody>
-          <a:bodyPr/>
-          <a:lstStyle/>
-          <a:p>
-            <a:pPr>
-              <a:defRPr/>
-            </a:pPr>
-            <a:r>
-              <a:rPr lang="en-US">
-                <a:noFill/>
-              </a:rPr>
-              <a:t> </a:t>
-            </a:r>
-          </a:p>
-        </p:txBody>
-      </p:sp>
       <p:pic>
         <p:nvPicPr>
           <p:cNvPr id="24579" name="Picture 2" descr="mage result for scissors icon"/>
@@ -19723,7 +19675,7 @@
           <p:nvPr/>
         </p:nvPicPr>
         <p:blipFill>
-          <a:blip r:embed="rId4">
+          <a:blip r:embed="rId3">
             <a:extLst>
               <a:ext uri="{28A0092B-C50C-407E-A947-70E740481C1C}">
                 <a14:useLocalDpi xmlns:a14="http://schemas.microsoft.com/office/drawing/2010/main" val="0"/>
@@ -19737,8 +19689,8 @@
         </p:blipFill>
         <p:spPr bwMode="auto">
           <a:xfrm>
-            <a:off x="7383463" y="3289300"/>
-            <a:ext cx="1760537" cy="1762125"/>
+            <a:off x="7663070" y="3569159"/>
+            <a:ext cx="1480930" cy="1482266"/>
           </a:xfrm>
           <a:prstGeom prst="rect">
             <a:avLst/>
@@ -19768,7 +19720,628 @@
           </a:extLst>
         </p:spPr>
       </p:pic>
+      <mc:AlternateContent xmlns:mc="http://schemas.openxmlformats.org/markup-compatibility/2006">
+        <mc:Choice xmlns:a14="http://schemas.microsoft.com/office/drawing/2010/main" Requires="a14">
+          <p:sp>
+            <p:nvSpPr>
+              <p:cNvPr id="5" name="Shape 74"/>
+              <p:cNvSpPr txBox="1">
+                <a:spLocks/>
+              </p:cNvSpPr>
+              <p:nvPr/>
+            </p:nvSpPr>
+            <p:spPr bwMode="auto">
+              <a:xfrm>
+                <a:off x="400050" y="965200"/>
+                <a:ext cx="8591550" cy="3894138"/>
+              </a:xfrm>
+              <a:prstGeom prst="rect">
+                <a:avLst/>
+              </a:prstGeom>
+              <a:noFill/>
+              <a:ln>
+                <a:noFill/>
+              </a:ln>
+              <a:extLst>
+                <a:ext uri="{909E8E84-426E-40DD-AFC4-6F175D3DCCD1}">
+                  <a14:hiddenFill>
+                    <a:solidFill>
+                      <a:srgbClr val="FFFFFF"/>
+                    </a:solidFill>
+                  </a14:hiddenFill>
+                </a:ext>
+                <a:ext uri="{91240B29-F687-4F45-9708-019B960494DF}">
+                  <a14:hiddenLine w="9525">
+                    <a:solidFill>
+                      <a:srgbClr val="000000"/>
+                    </a:solidFill>
+                    <a:miter lim="800000"/>
+                    <a:headEnd/>
+                    <a:tailEnd/>
+                  </a14:hiddenLine>
+                </a:ext>
+              </a:extLst>
+            </p:spPr>
+            <p:txBody>
+              <a:bodyPr lIns="91425" tIns="91425" rIns="91425" bIns="91425"/>
+              <a:lstStyle>
+                <a:lvl1pPr marL="457200" indent="-381000">
+                  <a:defRPr sz="1400">
+                    <a:solidFill>
+                      <a:srgbClr val="000000"/>
+                    </a:solidFill>
+                    <a:latin typeface="Arial" charset="0"/>
+                    <a:ea typeface="Arial" charset="0"/>
+                    <a:cs typeface="Arial" charset="0"/>
+                    <a:sym typeface="Arial" charset="0"/>
+                  </a:defRPr>
+                </a:lvl1pPr>
+                <a:lvl2pPr marL="742950" indent="-285750">
+                  <a:defRPr sz="1400">
+                    <a:solidFill>
+                      <a:srgbClr val="000000"/>
+                    </a:solidFill>
+                    <a:latin typeface="Arial" charset="0"/>
+                    <a:ea typeface="Arial" charset="0"/>
+                    <a:cs typeface="Arial" charset="0"/>
+                    <a:sym typeface="Arial" charset="0"/>
+                  </a:defRPr>
+                </a:lvl2pPr>
+                <a:lvl3pPr marL="1143000" indent="-228600">
+                  <a:defRPr sz="1400">
+                    <a:solidFill>
+                      <a:srgbClr val="000000"/>
+                    </a:solidFill>
+                    <a:latin typeface="Arial" charset="0"/>
+                    <a:ea typeface="Arial" charset="0"/>
+                    <a:cs typeface="Arial" charset="0"/>
+                    <a:sym typeface="Arial" charset="0"/>
+                  </a:defRPr>
+                </a:lvl3pPr>
+                <a:lvl4pPr marL="1600200" indent="-228600">
+                  <a:defRPr sz="1400">
+                    <a:solidFill>
+                      <a:srgbClr val="000000"/>
+                    </a:solidFill>
+                    <a:latin typeface="Arial" charset="0"/>
+                    <a:ea typeface="Arial" charset="0"/>
+                    <a:cs typeface="Arial" charset="0"/>
+                    <a:sym typeface="Arial" charset="0"/>
+                  </a:defRPr>
+                </a:lvl4pPr>
+                <a:lvl5pPr marL="2057400" indent="-228600">
+                  <a:defRPr sz="1400">
+                    <a:solidFill>
+                      <a:srgbClr val="000000"/>
+                    </a:solidFill>
+                    <a:latin typeface="Arial" charset="0"/>
+                    <a:ea typeface="Arial" charset="0"/>
+                    <a:cs typeface="Arial" charset="0"/>
+                    <a:sym typeface="Arial" charset="0"/>
+                  </a:defRPr>
+                </a:lvl5pPr>
+                <a:lvl6pPr marL="2514600" indent="-228600" eaLnBrk="0" fontAlgn="base" hangingPunct="0">
+                  <a:spcBef>
+                    <a:spcPct val="0"/>
+                  </a:spcBef>
+                  <a:spcAft>
+                    <a:spcPct val="0"/>
+                  </a:spcAft>
+                  <a:defRPr sz="1400">
+                    <a:solidFill>
+                      <a:srgbClr val="000000"/>
+                    </a:solidFill>
+                    <a:latin typeface="Arial" charset="0"/>
+                    <a:ea typeface="Arial" charset="0"/>
+                    <a:cs typeface="Arial" charset="0"/>
+                    <a:sym typeface="Arial" charset="0"/>
+                  </a:defRPr>
+                </a:lvl6pPr>
+                <a:lvl7pPr marL="2971800" indent="-228600" eaLnBrk="0" fontAlgn="base" hangingPunct="0">
+                  <a:spcBef>
+                    <a:spcPct val="0"/>
+                  </a:spcBef>
+                  <a:spcAft>
+                    <a:spcPct val="0"/>
+                  </a:spcAft>
+                  <a:defRPr sz="1400">
+                    <a:solidFill>
+                      <a:srgbClr val="000000"/>
+                    </a:solidFill>
+                    <a:latin typeface="Arial" charset="0"/>
+                    <a:ea typeface="Arial" charset="0"/>
+                    <a:cs typeface="Arial" charset="0"/>
+                    <a:sym typeface="Arial" charset="0"/>
+                  </a:defRPr>
+                </a:lvl7pPr>
+                <a:lvl8pPr marL="3429000" indent="-228600" eaLnBrk="0" fontAlgn="base" hangingPunct="0">
+                  <a:spcBef>
+                    <a:spcPct val="0"/>
+                  </a:spcBef>
+                  <a:spcAft>
+                    <a:spcPct val="0"/>
+                  </a:spcAft>
+                  <a:defRPr sz="1400">
+                    <a:solidFill>
+                      <a:srgbClr val="000000"/>
+                    </a:solidFill>
+                    <a:latin typeface="Arial" charset="0"/>
+                    <a:ea typeface="Arial" charset="0"/>
+                    <a:cs typeface="Arial" charset="0"/>
+                    <a:sym typeface="Arial" charset="0"/>
+                  </a:defRPr>
+                </a:lvl8pPr>
+                <a:lvl9pPr marL="3886200" indent="-228600" eaLnBrk="0" fontAlgn="base" hangingPunct="0">
+                  <a:spcBef>
+                    <a:spcPct val="0"/>
+                  </a:spcBef>
+                  <a:spcAft>
+                    <a:spcPct val="0"/>
+                  </a:spcAft>
+                  <a:defRPr sz="1400">
+                    <a:solidFill>
+                      <a:srgbClr val="000000"/>
+                    </a:solidFill>
+                    <a:latin typeface="Arial" charset="0"/>
+                    <a:ea typeface="Arial" charset="0"/>
+                    <a:cs typeface="Arial" charset="0"/>
+                    <a:sym typeface="Arial" charset="0"/>
+                  </a:defRPr>
+                </a:lvl9pPr>
+              </a:lstStyle>
+              <a:p>
+                <a:pPr eaLnBrk="1" hangingPunct="1">
+                  <a:lnSpc>
+                    <a:spcPct val="115000"/>
+                  </a:lnSpc>
+                  <a:spcAft>
+                    <a:spcPts val="1600"/>
+                  </a:spcAft>
+                  <a:buClr>
+                    <a:srgbClr val="737373"/>
+                  </a:buClr>
+                  <a:buFont typeface="Roboto" charset="0"/>
+                  <a:buChar char="●"/>
+                </a:pPr>
+                <a:r>
+                  <a:rPr lang="en-US" altLang="en-US" sz="2400" dirty="0" smtClean="0">
+                    <a:solidFill>
+                      <a:srgbClr val="212121"/>
+                    </a:solidFill>
+                    <a:latin typeface="Gill Sans" charset="0"/>
+                    <a:ea typeface="Gill Sans" charset="0"/>
+                    <a:cs typeface="Gill Sans" charset="0"/>
+                    <a:sym typeface="Roboto" charset="0"/>
+                  </a:rPr>
+                  <a:t>Build </a:t>
+                </a:r>
+                <a:r>
+                  <a:rPr lang="en-US" altLang="en-US" sz="2400" dirty="0" err="1" smtClean="0">
+                    <a:solidFill>
+                      <a:srgbClr val="212121"/>
+                    </a:solidFill>
+                    <a:latin typeface="Gill Sans" charset="0"/>
+                    <a:ea typeface="Gill Sans" charset="0"/>
+                    <a:cs typeface="Gill Sans" charset="0"/>
+                    <a:sym typeface="Roboto" charset="0"/>
+                  </a:rPr>
+                  <a:t>pseudograph</a:t>
+                </a:r>
+                <a:r>
+                  <a:rPr lang="en-US" altLang="en-US" sz="2400" dirty="0" smtClean="0">
+                    <a:solidFill>
+                      <a:srgbClr val="212121"/>
+                    </a:solidFill>
+                    <a:latin typeface="Gill Sans" charset="0"/>
+                    <a:ea typeface="Gill Sans" charset="0"/>
+                    <a:cs typeface="Gill Sans" charset="0"/>
+                    <a:sym typeface="Roboto" charset="0"/>
+                  </a:rPr>
+                  <a:t> G’ as in proof for finding shortest odd paths</a:t>
+                </a:r>
+                <a:endParaRPr lang="en-US" altLang="en-US" sz="2400" dirty="0">
+                  <a:solidFill>
+                    <a:srgbClr val="212121"/>
+                  </a:solidFill>
+                  <a:latin typeface="Gill Sans" charset="0"/>
+                  <a:ea typeface="Gill Sans" charset="0"/>
+                  <a:cs typeface="Gill Sans" charset="0"/>
+                  <a:sym typeface="Roboto" charset="0"/>
+                </a:endParaRPr>
+              </a:p>
+              <a:p>
+                <a:pPr eaLnBrk="1" hangingPunct="1">
+                  <a:lnSpc>
+                    <a:spcPct val="115000"/>
+                  </a:lnSpc>
+                  <a:spcAft>
+                    <a:spcPts val="1600"/>
+                  </a:spcAft>
+                  <a:buClr>
+                    <a:srgbClr val="737373"/>
+                  </a:buClr>
+                  <a:buFont typeface="Roboto" charset="0"/>
+                  <a:buChar char="●"/>
+                </a:pPr>
+                <a:r>
+                  <a:rPr lang="en-US" altLang="en-US" sz="2400" dirty="0" smtClean="0">
+                    <a:solidFill>
+                      <a:srgbClr val="212121"/>
+                    </a:solidFill>
+                    <a:latin typeface="Gill Sans" charset="0"/>
+                    <a:ea typeface="Gill Sans" charset="0"/>
+                    <a:cs typeface="Gill Sans" charset="0"/>
+                    <a:sym typeface="Roboto" charset="0"/>
+                  </a:rPr>
+                  <a:t>Run Dijkstra’s to find shortest path from </a:t>
+                </a:r>
+                <a14:m>
+                  <m:oMath xmlns:m="http://schemas.openxmlformats.org/officeDocument/2006/math">
+                    <m:r>
+                      <a:rPr lang="en-US" altLang="en-US" sz="2400" b="0" i="1" smtClean="0">
+                        <a:solidFill>
+                          <a:srgbClr val="212121"/>
+                        </a:solidFill>
+                        <a:latin typeface="Cambria Math" charset="0"/>
+                        <a:ea typeface="Gill Sans" charset="0"/>
+                        <a:cs typeface="Gill Sans" charset="0"/>
+                        <a:sym typeface="Roboto" charset="0"/>
+                      </a:rPr>
+                      <m:t>𝑣</m:t>
+                    </m:r>
+                    <m:r>
+                      <a:rPr lang="en-US" altLang="en-US" sz="2400" b="0" i="1" smtClean="0">
+                        <a:solidFill>
+                          <a:srgbClr val="212121"/>
+                        </a:solidFill>
+                        <a:latin typeface="Cambria Math" charset="0"/>
+                        <a:ea typeface="Gill Sans" charset="0"/>
+                        <a:cs typeface="Gill Sans" charset="0"/>
+                        <a:sym typeface="Roboto" charset="0"/>
+                      </a:rPr>
+                      <m:t> </m:t>
+                    </m:r>
+                    <m:r>
+                      <a:rPr lang="en-US" altLang="en-US" sz="2400" b="0" i="1" smtClean="0">
+                        <a:solidFill>
+                          <a:srgbClr val="212121"/>
+                        </a:solidFill>
+                        <a:latin typeface="Cambria Math" charset="0"/>
+                        <a:ea typeface="Gill Sans" charset="0"/>
+                        <a:cs typeface="Gill Sans" charset="0"/>
+                        <a:sym typeface="Roboto" charset="0"/>
+                      </a:rPr>
+                      <m:t>𝑡𝑜</m:t>
+                    </m:r>
+                    <m:r>
+                      <a:rPr lang="en-US" altLang="en-US" sz="2400" b="0" i="1" smtClean="0">
+                        <a:solidFill>
+                          <a:srgbClr val="212121"/>
+                        </a:solidFill>
+                        <a:latin typeface="Cambria Math" charset="0"/>
+                        <a:ea typeface="Gill Sans" charset="0"/>
+                        <a:cs typeface="Gill Sans" charset="0"/>
+                        <a:sym typeface="Roboto" charset="0"/>
+                      </a:rPr>
+                      <m:t> </m:t>
+                    </m:r>
+                    <m:sSup>
+                      <m:sSupPr>
+                        <m:ctrlPr>
+                          <a:rPr lang="en-US" altLang="en-US" sz="2400" b="0" i="1" smtClean="0">
+                            <a:solidFill>
+                              <a:srgbClr val="212121"/>
+                            </a:solidFill>
+                            <a:latin typeface="Cambria Math" charset="0"/>
+                            <a:ea typeface="Gill Sans" charset="0"/>
+                            <a:cs typeface="Gill Sans" charset="0"/>
+                            <a:sym typeface="Roboto" charset="0"/>
+                          </a:rPr>
+                        </m:ctrlPr>
+                      </m:sSupPr>
+                      <m:e>
+                        <m:r>
+                          <a:rPr lang="en-US" altLang="en-US" sz="2400" b="0" i="1" smtClean="0">
+                            <a:solidFill>
+                              <a:srgbClr val="212121"/>
+                            </a:solidFill>
+                            <a:latin typeface="Cambria Math" charset="0"/>
+                            <a:ea typeface="Gill Sans" charset="0"/>
+                            <a:cs typeface="Gill Sans" charset="0"/>
+                            <a:sym typeface="Roboto" charset="0"/>
+                          </a:rPr>
+                          <m:t>𝑣</m:t>
+                        </m:r>
+                      </m:e>
+                      <m:sup>
+                        <m:r>
+                          <a:rPr lang="en-US" altLang="en-US" sz="2400" b="0" i="1" smtClean="0">
+                            <a:solidFill>
+                              <a:srgbClr val="212121"/>
+                            </a:solidFill>
+                            <a:latin typeface="Cambria Math" charset="0"/>
+                            <a:ea typeface="Gill Sans" charset="0"/>
+                            <a:cs typeface="Gill Sans" charset="0"/>
+                            <a:sym typeface="Roboto" charset="0"/>
+                          </a:rPr>
+                          <m:t>′</m:t>
+                        </m:r>
+                      </m:sup>
+                    </m:sSup>
+                    <m:r>
+                      <a:rPr lang="en-US" altLang="en-US" sz="2400" b="0" i="1" smtClean="0">
+                        <a:solidFill>
+                          <a:srgbClr val="212121"/>
+                        </a:solidFill>
+                        <a:latin typeface="Cambria Math" charset="0"/>
+                        <a:ea typeface="Gill Sans" charset="0"/>
+                        <a:cs typeface="Gill Sans" charset="0"/>
+                        <a:sym typeface="Roboto" charset="0"/>
+                      </a:rPr>
+                      <m:t> </m:t>
+                    </m:r>
+                    <m:r>
+                      <a:rPr lang="en-US" altLang="en-US" sz="2400" b="0" i="1" smtClean="0">
+                        <a:solidFill>
+                          <a:srgbClr val="212121"/>
+                        </a:solidFill>
+                        <a:latin typeface="Cambria Math" charset="0"/>
+                        <a:ea typeface="Cambria Math" charset="0"/>
+                        <a:cs typeface="Cambria Math" charset="0"/>
+                        <a:sym typeface="Roboto" charset="0"/>
+                      </a:rPr>
+                      <m:t>∀</m:t>
+                    </m:r>
+                    <m:r>
+                      <a:rPr lang="en-US" altLang="en-US" sz="2400" b="0" i="1" smtClean="0">
+                        <a:solidFill>
+                          <a:srgbClr val="212121"/>
+                        </a:solidFill>
+                        <a:latin typeface="Cambria Math" charset="0"/>
+                        <a:ea typeface="Cambria Math" charset="0"/>
+                        <a:cs typeface="Cambria Math" charset="0"/>
+                        <a:sym typeface="Roboto" charset="0"/>
+                      </a:rPr>
+                      <m:t>𝑣</m:t>
+                    </m:r>
+                    <m:r>
+                      <a:rPr lang="en-US" altLang="en-US" sz="2400" b="0" i="1" smtClean="0">
+                        <a:solidFill>
+                          <a:srgbClr val="212121"/>
+                        </a:solidFill>
+                        <a:latin typeface="Cambria Math" charset="0"/>
+                        <a:ea typeface="Cambria Math" charset="0"/>
+                        <a:cs typeface="Cambria Math" charset="0"/>
+                        <a:sym typeface="Roboto" charset="0"/>
+                      </a:rPr>
+                      <m:t>∈</m:t>
+                    </m:r>
+                    <m:r>
+                      <a:rPr lang="en-US" altLang="en-US" sz="2400" b="0" i="1" smtClean="0">
+                        <a:solidFill>
+                          <a:srgbClr val="212121"/>
+                        </a:solidFill>
+                        <a:latin typeface="Cambria Math" charset="0"/>
+                        <a:ea typeface="Cambria Math" charset="0"/>
+                        <a:cs typeface="Cambria Math" charset="0"/>
+                        <a:sym typeface="Roboto" charset="0"/>
+                      </a:rPr>
+                      <m:t>𝐺</m:t>
+                    </m:r>
+                  </m:oMath>
+                </a14:m>
+                <a:endParaRPr lang="en-US" altLang="en-US" sz="2400" b="1" dirty="0">
+                  <a:solidFill>
+                    <a:srgbClr val="212121"/>
+                  </a:solidFill>
+                  <a:latin typeface="Gill Sans" charset="0"/>
+                  <a:ea typeface="Gill Sans" charset="0"/>
+                  <a:cs typeface="Gill Sans" charset="0"/>
+                  <a:sym typeface="Roboto" charset="0"/>
+                </a:endParaRPr>
+              </a:p>
+              <a:p>
+                <a:pPr eaLnBrk="1" hangingPunct="1">
+                  <a:lnSpc>
+                    <a:spcPct val="115000"/>
+                  </a:lnSpc>
+                  <a:spcAft>
+                    <a:spcPts val="1600"/>
+                  </a:spcAft>
+                  <a:buClr>
+                    <a:srgbClr val="737373"/>
+                  </a:buClr>
+                  <a:buFont typeface="Roboto" charset="0"/>
+                  <a:buChar char="●"/>
+                </a:pPr>
+                <a:r>
+                  <a:rPr lang="en-US" altLang="en-US" sz="2400" dirty="0" smtClean="0">
+                    <a:solidFill>
+                      <a:srgbClr val="212121"/>
+                    </a:solidFill>
+                    <a:latin typeface="Gill Sans" charset="0"/>
+                    <a:ea typeface="Gill Sans" charset="0"/>
+                    <a:cs typeface="Gill Sans" charset="0"/>
+                    <a:sym typeface="Roboto" charset="0"/>
+                  </a:rPr>
+                  <a:t>Isolate odd cycle and add as cut constraint if not already added</a:t>
+                </a:r>
+                <a:endParaRPr lang="en-US" altLang="en-US" sz="2400" dirty="0">
+                  <a:solidFill>
+                    <a:srgbClr val="212121"/>
+                  </a:solidFill>
+                  <a:latin typeface="Gill Sans" charset="0"/>
+                  <a:ea typeface="Gill Sans" charset="0"/>
+                  <a:cs typeface="Gill Sans" charset="0"/>
+                  <a:sym typeface="Roboto" charset="0"/>
+                </a:endParaRPr>
+              </a:p>
+              <a:p>
+                <a:pPr eaLnBrk="1" hangingPunct="1">
+                  <a:lnSpc>
+                    <a:spcPct val="115000"/>
+                  </a:lnSpc>
+                  <a:spcAft>
+                    <a:spcPts val="1600"/>
+                  </a:spcAft>
+                  <a:buClr>
+                    <a:srgbClr val="737373"/>
+                  </a:buClr>
+                  <a:buFont typeface="Roboto" charset="0"/>
+                  <a:buChar char="●"/>
+                </a:pPr>
+                <a:r>
+                  <a:rPr lang="en-US" altLang="en-US" sz="2400" dirty="0" smtClean="0">
+                    <a:solidFill>
+                      <a:srgbClr val="212121"/>
+                    </a:solidFill>
+                    <a:latin typeface="Gill Sans" charset="0"/>
+                    <a:ea typeface="Gill Sans" charset="0"/>
+                    <a:cs typeface="Gill Sans" charset="0"/>
+                    <a:sym typeface="Roboto" charset="0"/>
+                  </a:rPr>
+                  <a:t>Re-optimize with added constraints and with new edge weights, </a:t>
+                </a:r>
+                <a:r>
+                  <a:rPr lang="en-US" altLang="en-US" sz="2400" dirty="0" smtClean="0">
+                    <a:solidFill>
+                      <a:srgbClr val="212121"/>
+                    </a:solidFill>
+                    <a:latin typeface="Gill Sans" charset="0"/>
+                    <a:ea typeface="Gill Sans" charset="0"/>
+                    <a:cs typeface="Gill Sans" charset="0"/>
+                    <a:sym typeface="Roboto" charset="0"/>
+                  </a:rPr>
+                  <a:t>update G’</a:t>
+                </a:r>
+                <a:endParaRPr lang="en-US" altLang="en-US" sz="2400" dirty="0">
+                  <a:solidFill>
+                    <a:srgbClr val="212121"/>
+                  </a:solidFill>
+                  <a:latin typeface="Gill Sans" charset="0"/>
+                  <a:ea typeface="Gill Sans" charset="0"/>
+                  <a:cs typeface="Gill Sans" charset="0"/>
+                  <a:sym typeface="Roboto" charset="0"/>
+                </a:endParaRPr>
+              </a:p>
+              <a:p>
+                <a:pPr eaLnBrk="1" hangingPunct="1">
+                  <a:lnSpc>
+                    <a:spcPct val="115000"/>
+                  </a:lnSpc>
+                  <a:spcAft>
+                    <a:spcPts val="1600"/>
+                  </a:spcAft>
+                  <a:buClr>
+                    <a:srgbClr val="737373"/>
+                  </a:buClr>
+                  <a:buFont typeface="Roboto" charset="0"/>
+                  <a:buChar char="●"/>
+                </a:pPr>
+                <a:r>
+                  <a:rPr lang="en-US" altLang="en-US" sz="2400" dirty="0" smtClean="0">
+                    <a:solidFill>
+                      <a:srgbClr val="212121"/>
+                    </a:solidFill>
+                    <a:latin typeface="Gill Sans" charset="0"/>
+                    <a:ea typeface="Gill Sans" charset="0"/>
+                    <a:cs typeface="Gill Sans" charset="0"/>
+                    <a:sym typeface="Roboto" charset="0"/>
+                  </a:rPr>
+                  <a:t>Continue until no more valid cuts can be added or the	    model is solved to </a:t>
+                </a:r>
+                <a:r>
+                  <a:rPr lang="en-US" altLang="en-US" sz="2400" dirty="0" smtClean="0">
+                    <a:solidFill>
+                      <a:srgbClr val="212121"/>
+                    </a:solidFill>
+                    <a:latin typeface="Gill Sans" charset="0"/>
+                    <a:ea typeface="Gill Sans" charset="0"/>
+                    <a:cs typeface="Gill Sans" charset="0"/>
+                    <a:sym typeface="Roboto" charset="0"/>
+                  </a:rPr>
+                  <a:t>an integer solution</a:t>
+                </a:r>
+                <a:endParaRPr lang="en-US" altLang="en-US" sz="2400" dirty="0">
+                  <a:solidFill>
+                    <a:srgbClr val="212121"/>
+                  </a:solidFill>
+                  <a:latin typeface="Gill Sans" charset="0"/>
+                  <a:ea typeface="Gill Sans" charset="0"/>
+                  <a:cs typeface="Gill Sans" charset="0"/>
+                  <a:sym typeface="Roboto" charset="0"/>
+                </a:endParaRPr>
+              </a:p>
+            </p:txBody>
+          </p:sp>
+        </mc:Choice>
+        <mc:Fallback>
+          <p:sp>
+            <p:nvSpPr>
+              <p:cNvPr id="5" name="Shape 74"/>
+              <p:cNvSpPr txBox="1">
+                <a:spLocks noRot="1" noChangeAspect="1" noMove="1" noResize="1" noEditPoints="1" noAdjustHandles="1" noChangeArrowheads="1" noChangeShapeType="1" noTextEdit="1"/>
+              </p:cNvSpPr>
+              <p:nvPr/>
+            </p:nvSpPr>
+            <p:spPr bwMode="auto">
+              <a:xfrm>
+                <a:off x="400050" y="965200"/>
+                <a:ext cx="8591550" cy="3894138"/>
+              </a:xfrm>
+              <a:prstGeom prst="rect">
+                <a:avLst/>
+              </a:prstGeom>
+              <a:blipFill rotWithShape="0">
+                <a:blip r:embed="rId4"/>
+                <a:stretch>
+                  <a:fillRect l="-71" r="-781" b="-2817"/>
+                </a:stretch>
+              </a:blipFill>
+              <a:ln>
+                <a:noFill/>
+              </a:ln>
+              <a:extLst>
+                <a:ext uri="{909E8E84-426E-40DD-AFC4-6F175D3DCCD1}">
+                  <a14:hiddenFill xmlns:a14="http://schemas.microsoft.com/office/drawing/2010/main">
+                    <a:solidFill>
+                      <a:srgbClr val="FFFFFF"/>
+                    </a:solidFill>
+                  </a14:hiddenFill>
+                </a:ext>
+                <a:ext uri="{91240B29-F687-4F45-9708-019B960494DF}">
+                  <a14:hiddenLine xmlns:a14="http://schemas.microsoft.com/office/drawing/2010/main" w="9525">
+                    <a:solidFill>
+                      <a:srgbClr val="000000"/>
+                    </a:solidFill>
+                    <a:miter lim="800000"/>
+                    <a:headEnd/>
+                    <a:tailEnd/>
+                  </a14:hiddenLine>
+                </a:ext>
+              </a:extLst>
+            </p:spPr>
+            <p:txBody>
+              <a:bodyPr/>
+              <a:lstStyle/>
+              <a:p>
+                <a:r>
+                  <a:rPr lang="en-US">
+                    <a:noFill/>
+                  </a:rPr>
+                  <a:t> </a:t>
+                </a:r>
+              </a:p>
+            </p:txBody>
+          </p:sp>
+        </mc:Fallback>
+      </mc:AlternateContent>
     </p:spTree>
+    <p:extLst>
+      <p:ext uri="{BB962C8B-B14F-4D97-AF65-F5344CB8AC3E}">
+        <p14:creationId xmlns:p14="http://schemas.microsoft.com/office/powerpoint/2010/main" val="311731592"/>
+      </p:ext>
+    </p:extLst>
   </p:cSld>
   <p:clrMapOvr>
     <a:masterClrMapping/>
@@ -19810,7 +20383,7 @@
                                           </p:stCondLst>
                                         </p:cTn>
                                         <p:tgtEl>
-                                          <p:spTgt spid="15">
+                                          <p:spTgt spid="5">
                                             <p:txEl>
                                               <p:pRg st="0" end="0"/>
                                             </p:txEl>
@@ -19837,7 +20410,7 @@
                                       <p:cBhvr override="childStyle">
                                         <p:cTn id="8" dur="500" fill="hold"/>
                                         <p:tgtEl>
-                                          <p:spTgt spid="15">
+                                          <p:spTgt spid="5">
                                             <p:txEl>
                                               <p:pRg st="0" end="0"/>
                                             </p:txEl>
@@ -19857,7 +20430,7 @@
                                       <p:cBhvr override="childStyle">
                                         <p:cTn dur="1" fill="hold" display="0" masterRel="nextClick" afterEffect="1"/>
                                         <p:tgtEl>
-                                          <p:spTgt spid="15">
+                                          <p:spTgt spid="5">
                                             <p:txEl>
                                               <p:pRg st="0" end="0"/>
                                             </p:txEl>
@@ -19906,9 +20479,9 @@
                                           </p:stCondLst>
                                         </p:cTn>
                                         <p:tgtEl>
-                                          <p:spTgt spid="15">
+                                          <p:spTgt spid="5">
                                             <p:txEl>
-                                              <p:charRg st="2" end="2"/>
+                                              <p:pRg st="1" end="1"/>
                                             </p:txEl>
                                           </p:spTgt>
                                         </p:tgtEl>
@@ -19933,9 +20506,9 @@
                                       <p:cBhvr override="childStyle">
                                         <p:cTn id="14" dur="500" fill="hold"/>
                                         <p:tgtEl>
-                                          <p:spTgt spid="15">
+                                          <p:spTgt spid="5">
                                             <p:txEl>
-                                              <p:charRg st="2" end="2"/>
+                                              <p:pRg st="1" end="1"/>
                                             </p:txEl>
                                           </p:spTgt>
                                         </p:tgtEl>
@@ -19953,9 +20526,9 @@
                                       <p:cBhvr override="childStyle">
                                         <p:cTn dur="1" fill="hold" display="0" masterRel="nextClick" afterEffect="1"/>
                                         <p:tgtEl>
-                                          <p:spTgt spid="15">
+                                          <p:spTgt spid="5">
                                             <p:txEl>
-                                              <p:charRg st="2" end="2"/>
+                                              <p:pRg st="1" end="1"/>
                                             </p:txEl>
                                           </p:spTgt>
                                         </p:tgtEl>
@@ -20002,9 +20575,9 @@
                                           </p:stCondLst>
                                         </p:cTn>
                                         <p:tgtEl>
-                                          <p:spTgt spid="15">
+                                          <p:spTgt spid="5">
                                             <p:txEl>
-                                              <p:charRg st="2" end="2"/>
+                                              <p:pRg st="2" end="2"/>
                                             </p:txEl>
                                           </p:spTgt>
                                         </p:tgtEl>
@@ -20029,9 +20602,9 @@
                                       <p:cBhvr override="childStyle">
                                         <p:cTn id="20" dur="500" fill="hold"/>
                                         <p:tgtEl>
-                                          <p:spTgt spid="15">
+                                          <p:spTgt spid="5">
                                             <p:txEl>
-                                              <p:charRg st="2" end="2"/>
+                                              <p:pRg st="2" end="2"/>
                                             </p:txEl>
                                           </p:spTgt>
                                         </p:tgtEl>
@@ -20049,9 +20622,9 @@
                                       <p:cBhvr override="childStyle">
                                         <p:cTn dur="1" fill="hold" display="0" masterRel="nextClick" afterEffect="1"/>
                                         <p:tgtEl>
-                                          <p:spTgt spid="15">
+                                          <p:spTgt spid="5">
                                             <p:txEl>
-                                              <p:charRg st="2" end="2"/>
+                                              <p:pRg st="2" end="2"/>
                                             </p:txEl>
                                           </p:spTgt>
                                         </p:tgtEl>
@@ -20098,9 +20671,9 @@
                                           </p:stCondLst>
                                         </p:cTn>
                                         <p:tgtEl>
-                                          <p:spTgt spid="15">
+                                          <p:spTgt spid="5">
                                             <p:txEl>
-                                              <p:charRg st="2" end="2"/>
+                                              <p:pRg st="3" end="3"/>
                                             </p:txEl>
                                           </p:spTgt>
                                         </p:tgtEl>
@@ -20125,9 +20698,9 @@
                                       <p:cBhvr override="childStyle">
                                         <p:cTn id="26" dur="500" fill="hold"/>
                                         <p:tgtEl>
-                                          <p:spTgt spid="15">
+                                          <p:spTgt spid="5">
                                             <p:txEl>
-                                              <p:charRg st="2" end="2"/>
+                                              <p:pRg st="3" end="3"/>
                                             </p:txEl>
                                           </p:spTgt>
                                         </p:tgtEl>
@@ -20145,9 +20718,9 @@
                                       <p:cBhvr override="childStyle">
                                         <p:cTn dur="1" fill="hold" display="0" masterRel="nextClick" afterEffect="1"/>
                                         <p:tgtEl>
-                                          <p:spTgt spid="15">
+                                          <p:spTgt spid="5">
                                             <p:txEl>
-                                              <p:charRg st="2" end="2"/>
+                                              <p:pRg st="3" end="3"/>
                                             </p:txEl>
                                           </p:spTgt>
                                         </p:tgtEl>
@@ -20194,9 +20767,9 @@
                                           </p:stCondLst>
                                         </p:cTn>
                                         <p:tgtEl>
-                                          <p:spTgt spid="15">
+                                          <p:spTgt spid="5">
                                             <p:txEl>
-                                              <p:charRg st="2" end="2"/>
+                                              <p:pRg st="4" end="4"/>
                                             </p:txEl>
                                           </p:spTgt>
                                         </p:tgtEl>
@@ -20221,9 +20794,9 @@
                                       <p:cBhvr override="childStyle">
                                         <p:cTn id="32" dur="500" fill="hold"/>
                                         <p:tgtEl>
-                                          <p:spTgt spid="15">
+                                          <p:spTgt spid="5">
                                             <p:txEl>
-                                              <p:charRg st="2" end="2"/>
+                                              <p:pRg st="4" end="4"/>
                                             </p:txEl>
                                           </p:spTgt>
                                         </p:tgtEl>
@@ -20266,8 +20839,8 @@
       </p:par>
     </p:tnLst>
     <p:bldLst>
-      <p:bldP spid="15" grpId="0" build="p"/>
-      <p:bldP spid="15" grpId="1" build="allAtOnce"/>
+      <p:bldP spid="5" grpId="0" uiExpand="1" build="p"/>
+      <p:bldP spid="5" grpId="1" uiExpand="1" build="allAtOnce"/>
     </p:bldLst>
   </p:timing>
 </p:sld>
@@ -20712,7 +21285,7 @@
         </p:nvGraphicFramePr>
         <p:xfrm>
           <a:off x="312738" y="790575"/>
-          <a:ext cx="8531225" cy="3748088"/>
+          <a:ext cx="8531225" cy="3748086"/>
         </p:xfrm>
         <a:graphic>
           <a:graphicData uri="http://schemas.openxmlformats.org/drawingml/2006/table">

--- a/Max_Cut_ppt.pptx
+++ b/Max_Cut_ppt.pptx
@@ -308,7 +308,7 @@
             <a:fld id="{99039112-6445-694D-B3C6-72D22363E6ED}" type="datetimeFigureOut">
               <a:rPr lang="en-US" altLang="en-US"/>
               <a:pPr/>
-              <a:t>11/27/17</a:t>
+              <a:t>11/28/17</a:t>
             </a:fld>
             <a:endParaRPr lang="en-US" altLang="en-US"/>
           </a:p>
@@ -19720,8 +19720,8 @@
           </a:extLst>
         </p:spPr>
       </p:pic>
-      <mc:AlternateContent xmlns:mc="http://schemas.openxmlformats.org/markup-compatibility/2006">
-        <mc:Choice xmlns:a14="http://schemas.microsoft.com/office/drawing/2010/main" Requires="a14">
+      <mc:AlternateContent xmlns:mc="http://schemas.openxmlformats.org/markup-compatibility/2006" xmlns:a14="http://schemas.microsoft.com/office/drawing/2010/main">
+        <mc:Choice Requires="a14">
           <p:sp>
             <p:nvSpPr>
               <p:cNvPr id="5" name="Shape 74"/>
@@ -20200,19 +20200,7 @@
                     <a:cs typeface="Gill Sans" charset="0"/>
                     <a:sym typeface="Roboto" charset="0"/>
                   </a:rPr>
-                  <a:t>Re-optimize with added constraints and with new edge weights, </a:t>
-                </a:r>
-                <a:r>
-                  <a:rPr lang="en-US" altLang="en-US" sz="2400" dirty="0" smtClean="0">
-                    <a:solidFill>
-                      <a:srgbClr val="212121"/>
-                    </a:solidFill>
-                    <a:latin typeface="Gill Sans" charset="0"/>
-                    <a:ea typeface="Gill Sans" charset="0"/>
-                    <a:cs typeface="Gill Sans" charset="0"/>
-                    <a:sym typeface="Roboto" charset="0"/>
-                  </a:rPr>
-                  <a:t>update G’</a:t>
+                  <a:t>Re-optimize with added constraints and with new edge weights, update G’</a:t>
                 </a:r>
                 <a:endParaRPr lang="en-US" altLang="en-US" sz="2400" dirty="0">
                   <a:solidFill>
@@ -20248,19 +20236,7 @@
                     <a:cs typeface="Gill Sans" charset="0"/>
                     <a:sym typeface="Roboto" charset="0"/>
                   </a:rPr>
-                  <a:t>Continue until no more valid cuts can be added or the	    model is solved to </a:t>
-                </a:r>
-                <a:r>
-                  <a:rPr lang="en-US" altLang="en-US" sz="2400" dirty="0" smtClean="0">
-                    <a:solidFill>
-                      <a:srgbClr val="212121"/>
-                    </a:solidFill>
-                    <a:latin typeface="Gill Sans" charset="0"/>
-                    <a:ea typeface="Gill Sans" charset="0"/>
-                    <a:cs typeface="Gill Sans" charset="0"/>
-                    <a:sym typeface="Roboto" charset="0"/>
-                  </a:rPr>
-                  <a:t>an integer solution</a:t>
+                  <a:t>Continue until no more valid cuts can be added or the	    model is solved to an integer solution</a:t>
                 </a:r>
                 <a:endParaRPr lang="en-US" altLang="en-US" sz="2400" dirty="0">
                   <a:solidFill>
@@ -20275,7 +20251,7 @@
             </p:txBody>
           </p:sp>
         </mc:Choice>
-        <mc:Fallback>
+        <mc:Fallback xmlns="">
           <p:sp>
             <p:nvSpPr>
               <p:cNvPr id="5" name="Shape 74"/>
